--- a/A公司产品规划管理分析和研究-图例集合包.pptx
+++ b/A公司产品规划管理分析和研究-图例集合包.pptx
@@ -348,8 +348,8 @@
           <c:showBubbleSize val="0"/>
         </c:dLbls>
         <c:gapWidth val="150"/>
-        <c:axId val="-1327227152"/>
-        <c:axId val="-1327225792"/>
+        <c:axId val="942967376"/>
+        <c:axId val="835253536"/>
       </c:barChart>
       <c:lineChart>
         <c:grouping val="standard"/>
@@ -482,11 +482,11 @@
         </c:dLbls>
         <c:marker val="1"/>
         <c:smooth val="0"/>
-        <c:axId val="-1327223504"/>
-        <c:axId val="-1404559984"/>
+        <c:axId val="986905088"/>
+        <c:axId val="945006112"/>
       </c:lineChart>
       <c:catAx>
-        <c:axId val="-1327227152"/>
+        <c:axId val="942967376"/>
         <c:scaling>
           <c:orientation val="minMax"/>
         </c:scaling>
@@ -522,7 +522,7 @@
             <a:endParaRPr lang="zh-CN"/>
           </a:p>
         </c:txPr>
-        <c:crossAx val="-1327225792"/>
+        <c:crossAx val="835253536"/>
         <c:crosses val="autoZero"/>
         <c:auto val="0"/>
         <c:lblAlgn val="ctr"/>
@@ -530,7 +530,7 @@
         <c:noMultiLvlLbl val="0"/>
       </c:catAx>
       <c:valAx>
-        <c:axId val="-1327225792"/>
+        <c:axId val="835253536"/>
         <c:scaling>
           <c:orientation val="minMax"/>
         </c:scaling>
@@ -566,12 +566,12 @@
             <a:endParaRPr lang="zh-CN"/>
           </a:p>
         </c:txPr>
-        <c:crossAx val="-1327227152"/>
+        <c:crossAx val="942967376"/>
         <c:crosses val="autoZero"/>
         <c:crossBetween val="between"/>
       </c:valAx>
       <c:catAx>
-        <c:axId val="-1327223504"/>
+        <c:axId val="986905088"/>
         <c:scaling>
           <c:orientation val="minMax"/>
         </c:scaling>
@@ -581,7 +581,7 @@
         <c:majorTickMark val="out"/>
         <c:minorTickMark val="none"/>
         <c:tickLblPos val="none"/>
-        <c:crossAx val="-1404559984"/>
+        <c:crossAx val="945006112"/>
         <c:crosses val="autoZero"/>
         <c:auto val="1"/>
         <c:lblAlgn val="ctr"/>
@@ -589,7 +589,7 @@
         <c:noMultiLvlLbl val="0"/>
       </c:catAx>
       <c:valAx>
-        <c:axId val="-1404559984"/>
+        <c:axId val="945006112"/>
         <c:scaling>
           <c:orientation val="minMax"/>
         </c:scaling>
@@ -625,7 +625,7 @@
             <a:endParaRPr lang="zh-CN"/>
           </a:p>
         </c:txPr>
-        <c:crossAx val="-1327223504"/>
+        <c:crossAx val="986905088"/>
         <c:crosses val="max"/>
         <c:crossBetween val="between"/>
       </c:valAx>
@@ -991,7 +991,7 @@
               <c:idx val="3"/>
               <c:layout>
                 <c:manualLayout>
-                  <c:x val="-9.99080193326926E-17"/>
+                  <c:x val="-9.99080193326927E-17"/>
                   <c:y val="0.00181639978431599"/>
                 </c:manualLayout>
               </c:layout>
@@ -1193,7 +1193,7 @@
               <c:idx val="3"/>
               <c:layout>
                 <c:manualLayout>
-                  <c:x val="-9.99080193326926E-17"/>
+                  <c:x val="-9.99080193326927E-17"/>
                   <c:y val="0.00194252861931928"/>
                 </c:manualLayout>
               </c:layout>
@@ -1398,7 +1398,7 @@
               <c:idx val="3"/>
               <c:layout>
                 <c:manualLayout>
-                  <c:x val="-9.99080193326926E-17"/>
+                  <c:x val="-9.99080193326927E-17"/>
                   <c:y val="0.00880335900241849"/>
                 </c:manualLayout>
               </c:layout>
@@ -1527,8 +1527,8 @@
         </c:dLbls>
         <c:gapWidth val="150"/>
         <c:overlap val="100"/>
-        <c:axId val="-1327180880"/>
-        <c:axId val="-1327178560"/>
+        <c:axId val="986890928"/>
+        <c:axId val="986892704"/>
       </c:barChart>
       <c:lineChart>
         <c:grouping val="standard"/>
@@ -1677,11 +1677,11 @@
         </c:dLbls>
         <c:marker val="1"/>
         <c:smooth val="0"/>
-        <c:axId val="-1327180880"/>
-        <c:axId val="-1327178560"/>
+        <c:axId val="986890928"/>
+        <c:axId val="986892704"/>
       </c:lineChart>
       <c:catAx>
-        <c:axId val="-1327180880"/>
+        <c:axId val="986890928"/>
         <c:scaling>
           <c:orientation val="minMax"/>
         </c:scaling>
@@ -1721,7 +1721,7 @@
             <a:endParaRPr lang="zh-CN"/>
           </a:p>
         </c:txPr>
-        <c:crossAx val="-1327178560"/>
+        <c:crossAx val="986892704"/>
         <c:crosses val="autoZero"/>
         <c:auto val="1"/>
         <c:lblAlgn val="ctr"/>
@@ -1729,7 +1729,7 @@
         <c:noMultiLvlLbl val="0"/>
       </c:catAx>
       <c:valAx>
-        <c:axId val="-1327178560"/>
+        <c:axId val="986892704"/>
         <c:scaling>
           <c:orientation val="minMax"/>
           <c:max val="100.0"/>
@@ -1766,7 +1766,7 @@
             <a:endParaRPr lang="zh-CN"/>
           </a:p>
         </c:txPr>
-        <c:crossAx val="-1327180880"/>
+        <c:crossAx val="986890928"/>
         <c:crosses val="autoZero"/>
         <c:crossBetween val="between"/>
         <c:majorUnit val="20.0"/>
@@ -2166,8 +2166,8 @@
         </c:dLbls>
         <c:gapWidth val="219"/>
         <c:overlap val="-27"/>
-        <c:axId val="-1363738944"/>
-        <c:axId val="-1363528688"/>
+        <c:axId val="943596816"/>
+        <c:axId val="943598864"/>
       </c:barChart>
       <c:lineChart>
         <c:grouping val="standard"/>
@@ -2362,11 +2362,11 @@
         </c:dLbls>
         <c:marker val="1"/>
         <c:smooth val="0"/>
-        <c:axId val="-1363658112"/>
-        <c:axId val="-1363656064"/>
+        <c:axId val="943601184"/>
+        <c:axId val="943603504"/>
       </c:lineChart>
       <c:catAx>
-        <c:axId val="-1363738944"/>
+        <c:axId val="943596816"/>
         <c:scaling>
           <c:orientation val="minMax"/>
         </c:scaling>
@@ -2406,7 +2406,7 @@
             <a:endParaRPr lang="zh-CN"/>
           </a:p>
         </c:txPr>
-        <c:crossAx val="-1363528688"/>
+        <c:crossAx val="943598864"/>
         <c:crosses val="autoZero"/>
         <c:auto val="1"/>
         <c:lblAlgn val="ctr"/>
@@ -2414,7 +2414,7 @@
         <c:noMultiLvlLbl val="0"/>
       </c:catAx>
       <c:valAx>
-        <c:axId val="-1363528688"/>
+        <c:axId val="943598864"/>
         <c:scaling>
           <c:orientation val="minMax"/>
         </c:scaling>
@@ -2448,12 +2448,12 @@
             <a:endParaRPr lang="zh-CN"/>
           </a:p>
         </c:txPr>
-        <c:crossAx val="-1363738944"/>
+        <c:crossAx val="943596816"/>
         <c:crosses val="autoZero"/>
         <c:crossBetween val="between"/>
       </c:valAx>
       <c:catAx>
-        <c:axId val="-1363658112"/>
+        <c:axId val="943601184"/>
         <c:scaling>
           <c:orientation val="minMax"/>
         </c:scaling>
@@ -2463,7 +2463,7 @@
         <c:majorTickMark val="none"/>
         <c:minorTickMark val="none"/>
         <c:tickLblPos val="none"/>
-        <c:crossAx val="-1363656064"/>
+        <c:crossAx val="943603504"/>
         <c:crosses val="autoZero"/>
         <c:auto val="1"/>
         <c:lblAlgn val="ctr"/>
@@ -2471,7 +2471,7 @@
         <c:noMultiLvlLbl val="0"/>
       </c:catAx>
       <c:valAx>
-        <c:axId val="-1363656064"/>
+        <c:axId val="943603504"/>
         <c:scaling>
           <c:orientation val="minMax"/>
         </c:scaling>
@@ -2505,7 +2505,7 @@
             <a:endParaRPr lang="zh-CN"/>
           </a:p>
         </c:txPr>
-        <c:crossAx val="-1363658112"/>
+        <c:crossAx val="943601184"/>
         <c:crosses val="max"/>
         <c:crossBetween val="between"/>
       </c:valAx>
@@ -3759,7 +3759,7 @@
           <a:p>
             <a:fld id="{7F0F2514-F61C-9746-9AB1-CB158BD368D9}" type="datetimeFigureOut">
               <a:rPr kumimoji="1" lang="zh-CN" altLang="en-US" smtClean="0"/>
-              <a:t>2019/9/14</a:t>
+              <a:t>2019/9/25</a:t>
             </a:fld>
             <a:endParaRPr kumimoji="1" lang="zh-CN" altLang="en-US"/>
           </a:p>
@@ -4321,7 +4321,7 @@
           <a:p>
             <a:fld id="{12A673E7-33D6-324E-AF47-B3837F61D048}" type="datetimeFigureOut">
               <a:rPr kumimoji="1" lang="zh-CN" altLang="en-US" smtClean="0"/>
-              <a:t>2019/9/14</a:t>
+              <a:t>2019/9/25</a:t>
             </a:fld>
             <a:endParaRPr kumimoji="1" lang="zh-CN" altLang="en-US"/>
           </a:p>
@@ -4486,7 +4486,7 @@
           <a:p>
             <a:fld id="{12A673E7-33D6-324E-AF47-B3837F61D048}" type="datetimeFigureOut">
               <a:rPr kumimoji="1" lang="zh-CN" altLang="en-US" smtClean="0"/>
-              <a:t>2019/9/14</a:t>
+              <a:t>2019/9/25</a:t>
             </a:fld>
             <a:endParaRPr kumimoji="1" lang="zh-CN" altLang="en-US"/>
           </a:p>
@@ -4661,7 +4661,7 @@
           <a:p>
             <a:fld id="{12A673E7-33D6-324E-AF47-B3837F61D048}" type="datetimeFigureOut">
               <a:rPr kumimoji="1" lang="zh-CN" altLang="en-US" smtClean="0"/>
-              <a:t>2019/9/14</a:t>
+              <a:t>2019/9/25</a:t>
             </a:fld>
             <a:endParaRPr kumimoji="1" lang="zh-CN" altLang="en-US"/>
           </a:p>
@@ -4826,7 +4826,7 @@
           <a:p>
             <a:fld id="{12A673E7-33D6-324E-AF47-B3837F61D048}" type="datetimeFigureOut">
               <a:rPr kumimoji="1" lang="zh-CN" altLang="en-US" smtClean="0"/>
-              <a:t>2019/9/14</a:t>
+              <a:t>2019/9/25</a:t>
             </a:fld>
             <a:endParaRPr kumimoji="1" lang="zh-CN" altLang="en-US"/>
           </a:p>
@@ -5067,7 +5067,7 @@
           <a:p>
             <a:fld id="{12A673E7-33D6-324E-AF47-B3837F61D048}" type="datetimeFigureOut">
               <a:rPr kumimoji="1" lang="zh-CN" altLang="en-US" smtClean="0"/>
-              <a:t>2019/9/14</a:t>
+              <a:t>2019/9/25</a:t>
             </a:fld>
             <a:endParaRPr kumimoji="1" lang="zh-CN" altLang="en-US"/>
           </a:p>
@@ -5294,7 +5294,7 @@
           <a:p>
             <a:fld id="{12A673E7-33D6-324E-AF47-B3837F61D048}" type="datetimeFigureOut">
               <a:rPr kumimoji="1" lang="zh-CN" altLang="en-US" smtClean="0"/>
-              <a:t>2019/9/14</a:t>
+              <a:t>2019/9/25</a:t>
             </a:fld>
             <a:endParaRPr kumimoji="1" lang="zh-CN" altLang="en-US"/>
           </a:p>
@@ -5656,7 +5656,7 @@
           <a:p>
             <a:fld id="{12A673E7-33D6-324E-AF47-B3837F61D048}" type="datetimeFigureOut">
               <a:rPr kumimoji="1" lang="zh-CN" altLang="en-US" smtClean="0"/>
-              <a:t>2019/9/14</a:t>
+              <a:t>2019/9/25</a:t>
             </a:fld>
             <a:endParaRPr kumimoji="1" lang="zh-CN" altLang="en-US"/>
           </a:p>
@@ -5769,7 +5769,7 @@
           <a:p>
             <a:fld id="{12A673E7-33D6-324E-AF47-B3837F61D048}" type="datetimeFigureOut">
               <a:rPr kumimoji="1" lang="zh-CN" altLang="en-US" smtClean="0"/>
-              <a:t>2019/9/14</a:t>
+              <a:t>2019/9/25</a:t>
             </a:fld>
             <a:endParaRPr kumimoji="1" lang="zh-CN" altLang="en-US"/>
           </a:p>
@@ -5859,7 +5859,7 @@
           <a:p>
             <a:fld id="{12A673E7-33D6-324E-AF47-B3837F61D048}" type="datetimeFigureOut">
               <a:rPr kumimoji="1" lang="zh-CN" altLang="en-US" smtClean="0"/>
-              <a:t>2019/9/14</a:t>
+              <a:t>2019/9/25</a:t>
             </a:fld>
             <a:endParaRPr kumimoji="1" lang="zh-CN" altLang="en-US"/>
           </a:p>
@@ -6131,7 +6131,7 @@
           <a:p>
             <a:fld id="{12A673E7-33D6-324E-AF47-B3837F61D048}" type="datetimeFigureOut">
               <a:rPr kumimoji="1" lang="zh-CN" altLang="en-US" smtClean="0"/>
-              <a:t>2019/9/14</a:t>
+              <a:t>2019/9/25</a:t>
             </a:fld>
             <a:endParaRPr kumimoji="1" lang="zh-CN" altLang="en-US"/>
           </a:p>
@@ -6379,7 +6379,7 @@
           <a:p>
             <a:fld id="{12A673E7-33D6-324E-AF47-B3837F61D048}" type="datetimeFigureOut">
               <a:rPr kumimoji="1" lang="zh-CN" altLang="en-US" smtClean="0"/>
-              <a:t>2019/9/14</a:t>
+              <a:t>2019/9/25</a:t>
             </a:fld>
             <a:endParaRPr kumimoji="1" lang="zh-CN" altLang="en-US"/>
           </a:p>
@@ -6587,7 +6587,7 @@
           <a:p>
             <a:fld id="{12A673E7-33D6-324E-AF47-B3837F61D048}" type="datetimeFigureOut">
               <a:rPr kumimoji="1" lang="zh-CN" altLang="en-US" smtClean="0"/>
-              <a:t>2019/9/14</a:t>
+              <a:t>2019/9/25</a:t>
             </a:fld>
             <a:endParaRPr kumimoji="1" lang="zh-CN" altLang="en-US"/>
           </a:p>
@@ -20451,7 +20451,7 @@
           <p:spPr>
             <a:xfrm>
               <a:off x="1494940" y="5304197"/>
-              <a:ext cx="705618" cy="307777"/>
+              <a:ext cx="705619" cy="307777"/>
             </a:xfrm>
             <a:prstGeom prst="rect">
               <a:avLst/>
